--- a/변수변환 임용고시 2017.pptx
+++ b/변수변환 임용고시 2017.pptx
@@ -254,7 +254,7 @@
           <a:p>
             <a:fld id="{5B3AD1D6-AE87-C841-B3FD-7C9F7FCAE5AE}" type="datetimeFigureOut">
               <a:rPr lang="en-US" smtClean="0"/>
-              <a:t>12/15/19</a:t>
+              <a:t>12/17/19</a:t>
             </a:fld>
             <a:endParaRPr lang="en-US"/>
           </a:p>
@@ -424,7 +424,7 @@
           <a:p>
             <a:fld id="{5B3AD1D6-AE87-C841-B3FD-7C9F7FCAE5AE}" type="datetimeFigureOut">
               <a:rPr lang="en-US" smtClean="0"/>
-              <a:t>12/15/19</a:t>
+              <a:t>12/17/19</a:t>
             </a:fld>
             <a:endParaRPr lang="en-US"/>
           </a:p>
@@ -604,7 +604,7 @@
           <a:p>
             <a:fld id="{5B3AD1D6-AE87-C841-B3FD-7C9F7FCAE5AE}" type="datetimeFigureOut">
               <a:rPr lang="en-US" smtClean="0"/>
-              <a:t>12/15/19</a:t>
+              <a:t>12/17/19</a:t>
             </a:fld>
             <a:endParaRPr lang="en-US"/>
           </a:p>
@@ -774,7 +774,7 @@
           <a:p>
             <a:fld id="{5B3AD1D6-AE87-C841-B3FD-7C9F7FCAE5AE}" type="datetimeFigureOut">
               <a:rPr lang="en-US" smtClean="0"/>
-              <a:t>12/15/19</a:t>
+              <a:t>12/17/19</a:t>
             </a:fld>
             <a:endParaRPr lang="en-US"/>
           </a:p>
@@ -1020,7 +1020,7 @@
           <a:p>
             <a:fld id="{5B3AD1D6-AE87-C841-B3FD-7C9F7FCAE5AE}" type="datetimeFigureOut">
               <a:rPr lang="en-US" smtClean="0"/>
-              <a:t>12/15/19</a:t>
+              <a:t>12/17/19</a:t>
             </a:fld>
             <a:endParaRPr lang="en-US"/>
           </a:p>
@@ -1252,7 +1252,7 @@
           <a:p>
             <a:fld id="{5B3AD1D6-AE87-C841-B3FD-7C9F7FCAE5AE}" type="datetimeFigureOut">
               <a:rPr lang="en-US" smtClean="0"/>
-              <a:t>12/15/19</a:t>
+              <a:t>12/17/19</a:t>
             </a:fld>
             <a:endParaRPr lang="en-US"/>
           </a:p>
@@ -1619,7 +1619,7 @@
           <a:p>
             <a:fld id="{5B3AD1D6-AE87-C841-B3FD-7C9F7FCAE5AE}" type="datetimeFigureOut">
               <a:rPr lang="en-US" smtClean="0"/>
-              <a:t>12/15/19</a:t>
+              <a:t>12/17/19</a:t>
             </a:fld>
             <a:endParaRPr lang="en-US"/>
           </a:p>
@@ -1737,7 +1737,7 @@
           <a:p>
             <a:fld id="{5B3AD1D6-AE87-C841-B3FD-7C9F7FCAE5AE}" type="datetimeFigureOut">
               <a:rPr lang="en-US" smtClean="0"/>
-              <a:t>12/15/19</a:t>
+              <a:t>12/17/19</a:t>
             </a:fld>
             <a:endParaRPr lang="en-US"/>
           </a:p>
@@ -1832,7 +1832,7 @@
           <a:p>
             <a:fld id="{5B3AD1D6-AE87-C841-B3FD-7C9F7FCAE5AE}" type="datetimeFigureOut">
               <a:rPr lang="en-US" smtClean="0"/>
-              <a:t>12/15/19</a:t>
+              <a:t>12/17/19</a:t>
             </a:fld>
             <a:endParaRPr lang="en-US"/>
           </a:p>
@@ -2109,7 +2109,7 @@
           <a:p>
             <a:fld id="{5B3AD1D6-AE87-C841-B3FD-7C9F7FCAE5AE}" type="datetimeFigureOut">
               <a:rPr lang="en-US" smtClean="0"/>
-              <a:t>12/15/19</a:t>
+              <a:t>12/17/19</a:t>
             </a:fld>
             <a:endParaRPr lang="en-US"/>
           </a:p>
@@ -2362,7 +2362,7 @@
           <a:p>
             <a:fld id="{5B3AD1D6-AE87-C841-B3FD-7C9F7FCAE5AE}" type="datetimeFigureOut">
               <a:rPr lang="en-US" smtClean="0"/>
-              <a:t>12/15/19</a:t>
+              <a:t>12/17/19</a:t>
             </a:fld>
             <a:endParaRPr lang="en-US"/>
           </a:p>
@@ -2575,7 +2575,7 @@
           <a:p>
             <a:fld id="{5B3AD1D6-AE87-C841-B3FD-7C9F7FCAE5AE}" type="datetimeFigureOut">
               <a:rPr lang="en-US" smtClean="0"/>
-              <a:t>12/15/19</a:t>
+              <a:t>12/17/19</a:t>
             </a:fld>
             <a:endParaRPr lang="en-US"/>
           </a:p>
@@ -3213,21 +3213,21 @@
               </a:rPr>
               <a:t>of Variable</a:t>
             </a:r>
-            <a:r>
-              <a:rPr lang="en-US" sz="6700" dirty="0" smtClean="0">
-                <a:latin typeface="Arial Black" charset="0"/>
-                <a:ea typeface="Arial Black" charset="0"/>
-                <a:cs typeface="Arial Black" charset="0"/>
-              </a:rPr>
-              <a:t/>
-            </a:r>
             <a:br>
-              <a:rPr lang="en-US" sz="6700" dirty="0" smtClean="0">
+              <a:rPr lang="en-US" sz="6700" smtClean="0">
                 <a:latin typeface="Arial Black" charset="0"/>
                 <a:ea typeface="Arial Black" charset="0"/>
                 <a:cs typeface="Arial Black" charset="0"/>
               </a:rPr>
             </a:br>
+            <a:r>
+              <a:rPr lang="en-US" sz="6700" smtClean="0">
+                <a:latin typeface="Arial Black" charset="0"/>
+                <a:ea typeface="Arial Black" charset="0"/>
+                <a:cs typeface="Arial Black" charset="0"/>
+              </a:rPr>
+              <a:t>2017</a:t>
+            </a:r>
             <a:r>
               <a:rPr lang="en-US" sz="6700" dirty="0" smtClean="0">
                 <a:latin typeface="Arial Black" charset="0"/>
